--- a/第2章 Java基础.pptx
+++ b/第2章 Java基础.pptx
@@ -3550,8 +3550,27 @@
                 <a:ea typeface="+mn-ea"/>
                 <a:cs typeface="+mn-cs"/>
               </a:rPr>
-              <a:t>out.println(++p &lt; 5 || ++p &gt; 4);  //false</a:t>
-            </a:r>
+              <a:t>out.println(++p &lt; 5 || ++p &gt; 4);  </a:t>
+            </a:r>
+            <a:r>
+              <a:rPr lang="en-US" altLang="zh-CN" sz="1200" b="1" i="1" kern="1200" smtClean="0">
+                <a:solidFill>
+                  <a:schemeClr val="tx1"/>
+                </a:solidFill>
+                <a:latin typeface="Arial" pitchFamily="34" charset="0"/>
+                <a:ea typeface="+mn-ea"/>
+                <a:cs typeface="+mn-cs"/>
+              </a:rPr>
+              <a:t>//true</a:t>
+            </a:r>
+            <a:endParaRPr lang="en-US" altLang="zh-CN" sz="1200" b="1" i="1" kern="1200" dirty="0" smtClean="0">
+              <a:solidFill>
+                <a:schemeClr val="tx1"/>
+              </a:solidFill>
+              <a:latin typeface="Arial" pitchFamily="34" charset="0"/>
+              <a:ea typeface="+mn-ea"/>
+              <a:cs typeface="+mn-cs"/>
+            </a:endParaRPr>
           </a:p>
           <a:p>
             <a:r>
@@ -14087,7 +14106,7 @@
                         <a:tabLst/>
                       </a:pPr>
                       <a:r>
-                        <a:rPr kumimoji="0" lang="en-US" sz="1800" b="0" i="0" u="none" strike="noStrike" kern="1200" cap="none" normalizeH="0" baseline="0" smtClean="0">
+                        <a:rPr kumimoji="0" lang="en-US" sz="1800" b="0" i="0" u="none" strike="noStrike" kern="1200" cap="none" normalizeH="0" baseline="0" dirty="0" smtClean="0">
                           <a:ln>
                             <a:noFill/>
                           </a:ln>
@@ -14268,7 +14287,7 @@
                         <a:tabLst/>
                       </a:pPr>
                       <a:r>
-                        <a:rPr kumimoji="0" lang="en-US" sz="1800" b="0" i="0" u="none" strike="noStrike" kern="1200" cap="none" normalizeH="0" baseline="0" smtClean="0">
+                        <a:rPr kumimoji="0" lang="en-US" sz="1800" b="0" i="0" u="none" strike="noStrike" kern="1200" cap="none" normalizeH="0" baseline="0" dirty="0" smtClean="0">
                           <a:ln>
                             <a:noFill/>
                           </a:ln>
@@ -14987,7 +15006,7 @@
                         <a:tabLst/>
                       </a:pPr>
                       <a:r>
-                        <a:rPr kumimoji="0" lang="en-US" sz="1800" b="0" i="0" u="none" strike="noStrike" kern="1200" cap="none" normalizeH="0" baseline="0" smtClean="0">
+                        <a:rPr kumimoji="0" lang="en-US" sz="1800" b="0" i="0" u="none" strike="noStrike" kern="1200" cap="none" normalizeH="0" baseline="0" dirty="0" smtClean="0">
                           <a:ln>
                             <a:noFill/>
                           </a:ln>
@@ -15896,7 +15915,7 @@
                         <a:tabLst/>
                       </a:pPr>
                       <a:r>
-                        <a:rPr kumimoji="0" lang="en-US" sz="1800" b="0" i="0" u="none" strike="noStrike" kern="1200" cap="none" normalizeH="0" baseline="0" smtClean="0">
+                        <a:rPr kumimoji="0" lang="en-US" sz="1800" b="0" i="0" u="none" strike="noStrike" kern="1200" cap="none" normalizeH="0" baseline="0" dirty="0" smtClean="0">
                           <a:ln>
                             <a:noFill/>
                           </a:ln>
@@ -15983,7 +16002,7 @@
                         <a:tabLst/>
                       </a:pPr>
                       <a:r>
-                        <a:rPr kumimoji="0" lang="en-US" sz="1800" b="0" i="0" u="none" strike="noStrike" kern="1200" cap="none" normalizeH="0" baseline="0" smtClean="0">
+                        <a:rPr kumimoji="0" lang="en-US" sz="1800" b="0" i="0" u="none" strike="noStrike" kern="1200" cap="none" normalizeH="0" baseline="0" dirty="0" smtClean="0">
                           <a:ln>
                             <a:noFill/>
                           </a:ln>
@@ -20707,8 +20726,84 @@
                 </a:solidFill>
                 <a:latin typeface="Arial" charset="0"/>
               </a:rPr>
-              <a:t>= </a:t>
-            </a:r>
+              <a:t>= 10.0;       </a:t>
+            </a:r>
+            <a:r>
+              <a:rPr lang="en-US" altLang="zh-CN" dirty="0" smtClean="0">
+                <a:solidFill>
+                  <a:schemeClr val="tx1"/>
+                </a:solidFill>
+                <a:latin typeface="Arial" charset="0"/>
+              </a:rPr>
+              <a:t>     </a:t>
+            </a:r>
+            <a:r>
+              <a:rPr lang="en-US" altLang="zh-CN" b="1" dirty="0">
+                <a:solidFill>
+                  <a:srgbClr val="00B050"/>
+                </a:solidFill>
+              </a:rPr>
+              <a:t>//</a:t>
+            </a:r>
+            <a:r>
+              <a:rPr lang="zh-CN" altLang="en-US" b="1" dirty="0">
+                <a:solidFill>
+                  <a:srgbClr val="00B050"/>
+                </a:solidFill>
+              </a:rPr>
+              <a:t>编译不通过（</a:t>
+            </a:r>
+            <a:r>
+              <a:rPr lang="en-US" altLang="zh-CN" b="1" dirty="0">
+                <a:solidFill>
+                  <a:srgbClr val="00B050"/>
+                </a:solidFill>
+              </a:rPr>
+              <a:t>10.0</a:t>
+            </a:r>
+            <a:r>
+              <a:rPr lang="zh-CN" altLang="en-US" b="1" dirty="0">
+                <a:solidFill>
+                  <a:srgbClr val="00B050"/>
+                </a:solidFill>
+              </a:rPr>
+              <a:t>认为是</a:t>
+            </a:r>
+            <a:r>
+              <a:rPr lang="en-US" altLang="zh-CN" b="1" dirty="0">
+                <a:solidFill>
+                  <a:srgbClr val="00B050"/>
+                </a:solidFill>
+              </a:rPr>
+              <a:t>double</a:t>
+            </a:r>
+            <a:r>
+              <a:rPr lang="zh-CN" altLang="en-US" b="1" dirty="0">
+                <a:solidFill>
+                  <a:srgbClr val="00B050"/>
+                </a:solidFill>
+              </a:rPr>
+              <a:t>，不能转</a:t>
+            </a:r>
+            <a:r>
+              <a:rPr lang="en-US" altLang="zh-CN" b="1" dirty="0">
+                <a:solidFill>
+                  <a:srgbClr val="00B050"/>
+                </a:solidFill>
+              </a:rPr>
+              <a:t>float</a:t>
+            </a:r>
+            <a:r>
+              <a:rPr lang="zh-CN" altLang="en-US" b="1" dirty="0">
+                <a:solidFill>
+                  <a:srgbClr val="00B050"/>
+                </a:solidFill>
+              </a:rPr>
+              <a:t>）</a:t>
+            </a:r>
+          </a:p>
+          <a:p>
+            <a:pPr marL="342900" indent="-342900" eaLnBrk="0" hangingPunct="0"/>
             <a:r>
               <a:rPr lang="en-US" altLang="zh-CN" dirty="0">
                 <a:solidFill>
@@ -20716,8 +20811,36 @@
                 </a:solidFill>
                 <a:latin typeface="Arial" charset="0"/>
               </a:rPr>
-              <a:t>10.0</a:t>
-            </a:r>
+              <a:t>float fNum3 = 10.0f;       </a:t>
+            </a:r>
+            <a:r>
+              <a:rPr lang="en-US" altLang="zh-CN" dirty="0" smtClean="0">
+                <a:solidFill>
+                  <a:schemeClr val="tx1"/>
+                </a:solidFill>
+                <a:latin typeface="Arial" charset="0"/>
+              </a:rPr>
+              <a:t>    </a:t>
+            </a:r>
+            <a:r>
+              <a:rPr lang="en-US" altLang="zh-CN" b="1" dirty="0">
+                <a:solidFill>
+                  <a:srgbClr val="00B050"/>
+                </a:solidFill>
+              </a:rPr>
+              <a:t>//</a:t>
+            </a:r>
+            <a:r>
+              <a:rPr lang="zh-CN" altLang="en-US" b="1" dirty="0">
+                <a:solidFill>
+                  <a:srgbClr val="00B050"/>
+                </a:solidFill>
+              </a:rPr>
+              <a:t>推荐写法</a:t>
+            </a:r>
+          </a:p>
+          <a:p>
+            <a:pPr marL="342900" indent="-342900" eaLnBrk="0" hangingPunct="0"/>
             <a:r>
               <a:rPr lang="en-US" altLang="zh-CN" dirty="0">
                 <a:solidFill>
@@ -20725,189 +20848,59 @@
                 </a:solidFill>
                 <a:latin typeface="Arial" charset="0"/>
               </a:rPr>
-              <a:t>;       </a:t>
-            </a:r>
-            <a:r>
-              <a:rPr lang="en-US" altLang="zh-CN" dirty="0" smtClean="0">
+              <a:t>float</a:t>
+            </a:r>
+            <a:r>
+              <a:rPr lang="zh-CN" altLang="en-US" dirty="0">
                 <a:solidFill>
                   <a:schemeClr val="tx1"/>
                 </a:solidFill>
                 <a:latin typeface="Arial" charset="0"/>
               </a:rPr>
-              <a:t>     </a:t>
+              <a:t> </a:t>
+            </a:r>
+            <a:r>
+              <a:rPr lang="en-US" altLang="zh-CN" dirty="0">
+                <a:solidFill>
+                  <a:schemeClr val="tx1"/>
+                </a:solidFill>
+                <a:latin typeface="Arial" charset="0"/>
+              </a:rPr>
+              <a:t>fNum4</a:t>
+            </a:r>
+            <a:r>
+              <a:rPr lang="zh-CN" altLang="en-US" dirty="0">
+                <a:solidFill>
+                  <a:schemeClr val="tx1"/>
+                </a:solidFill>
+                <a:latin typeface="Arial" charset="0"/>
+              </a:rPr>
+              <a:t> </a:t>
+            </a:r>
+            <a:r>
+              <a:rPr lang="en-US" altLang="zh-CN" dirty="0">
+                <a:solidFill>
+                  <a:schemeClr val="tx1"/>
+                </a:solidFill>
+                <a:latin typeface="Arial" charset="0"/>
+              </a:rPr>
+              <a:t>= (float) 10.0</a:t>
             </a:r>
             <a:r>
               <a:rPr lang="en-US" altLang="zh-CN" b="1" dirty="0">
                 <a:solidFill>
+                  <a:schemeClr val="tx1"/>
+                </a:solidFill>
+              </a:rPr>
+              <a:t>;</a:t>
+            </a:r>
+            <a:r>
+              <a:rPr lang="en-US" altLang="zh-CN" b="1" dirty="0">
+                <a:solidFill>
                   <a:srgbClr val="00B050"/>
                 </a:solidFill>
               </a:rPr>
-              <a:t>//</a:t>
-            </a:r>
-            <a:r>
-              <a:rPr lang="zh-CN" altLang="en-US" b="1" dirty="0">
-                <a:solidFill>
-                  <a:srgbClr val="00B050"/>
-                </a:solidFill>
-              </a:rPr>
-              <a:t>编译不通过（</a:t>
-            </a:r>
-            <a:r>
-              <a:rPr lang="en-US" altLang="zh-CN" b="1" dirty="0">
-                <a:solidFill>
-                  <a:srgbClr val="00B050"/>
-                </a:solidFill>
-              </a:rPr>
-              <a:t>10.0</a:t>
-            </a:r>
-            <a:r>
-              <a:rPr lang="zh-CN" altLang="en-US" b="1" dirty="0">
-                <a:solidFill>
-                  <a:srgbClr val="00B050"/>
-                </a:solidFill>
-              </a:rPr>
-              <a:t>认为是</a:t>
-            </a:r>
-            <a:r>
-              <a:rPr lang="en-US" altLang="zh-CN" b="1" dirty="0">
-                <a:solidFill>
-                  <a:srgbClr val="00B050"/>
-                </a:solidFill>
-              </a:rPr>
-              <a:t>double</a:t>
-            </a:r>
-            <a:r>
-              <a:rPr lang="zh-CN" altLang="en-US" b="1" dirty="0">
-                <a:solidFill>
-                  <a:srgbClr val="00B050"/>
-                </a:solidFill>
-              </a:rPr>
-              <a:t>，不能转</a:t>
-            </a:r>
-            <a:r>
-              <a:rPr lang="en-US" altLang="zh-CN" b="1" dirty="0">
-                <a:solidFill>
-                  <a:srgbClr val="00B050"/>
-                </a:solidFill>
-              </a:rPr>
-              <a:t>float</a:t>
-            </a:r>
-            <a:r>
-              <a:rPr lang="zh-CN" altLang="en-US" b="1" dirty="0">
-                <a:solidFill>
-                  <a:srgbClr val="00B050"/>
-                </a:solidFill>
-              </a:rPr>
-              <a:t>）</a:t>
-            </a:r>
-          </a:p>
-          <a:p>
-            <a:pPr marL="342900" indent="-342900" eaLnBrk="0" hangingPunct="0"/>
-            <a:r>
-              <a:rPr lang="en-US" altLang="zh-CN" dirty="0">
-                <a:solidFill>
-                  <a:schemeClr val="tx1"/>
-                </a:solidFill>
-                <a:latin typeface="Arial" charset="0"/>
-              </a:rPr>
-              <a:t>float fNum3 = 10.0f;       </a:t>
-            </a:r>
-            <a:r>
-              <a:rPr lang="en-US" altLang="zh-CN" dirty="0" smtClean="0">
-                <a:solidFill>
-                  <a:schemeClr val="tx1"/>
-                </a:solidFill>
-                <a:latin typeface="Arial" charset="0"/>
-              </a:rPr>
-              <a:t>    </a:t>
-            </a:r>
-            <a:r>
-              <a:rPr lang="en-US" altLang="zh-CN" b="1" dirty="0">
-                <a:solidFill>
-                  <a:srgbClr val="00B050"/>
-                </a:solidFill>
-              </a:rPr>
-              <a:t>//</a:t>
-            </a:r>
-            <a:r>
-              <a:rPr lang="zh-CN" altLang="en-US" b="1" dirty="0">
-                <a:solidFill>
-                  <a:srgbClr val="00B050"/>
-                </a:solidFill>
-              </a:rPr>
-              <a:t>推荐写法</a:t>
-            </a:r>
-          </a:p>
-          <a:p>
-            <a:pPr marL="342900" indent="-342900" eaLnBrk="0" hangingPunct="0"/>
-            <a:r>
-              <a:rPr lang="en-US" altLang="zh-CN" dirty="0">
-                <a:solidFill>
-                  <a:schemeClr val="tx1"/>
-                </a:solidFill>
-                <a:latin typeface="Arial" charset="0"/>
-              </a:rPr>
-              <a:t>float</a:t>
-            </a:r>
-            <a:r>
-              <a:rPr lang="zh-CN" altLang="en-US" dirty="0">
-                <a:solidFill>
-                  <a:schemeClr val="tx1"/>
-                </a:solidFill>
-                <a:latin typeface="Arial" charset="0"/>
-              </a:rPr>
-              <a:t> </a:t>
-            </a:r>
-            <a:r>
-              <a:rPr lang="en-US" altLang="zh-CN" dirty="0">
-                <a:solidFill>
-                  <a:schemeClr val="tx1"/>
-                </a:solidFill>
-                <a:latin typeface="Arial" charset="0"/>
-              </a:rPr>
-              <a:t>fNum4</a:t>
-            </a:r>
-            <a:r>
-              <a:rPr lang="zh-CN" altLang="en-US" dirty="0">
-                <a:solidFill>
-                  <a:schemeClr val="tx1"/>
-                </a:solidFill>
-                <a:latin typeface="Arial" charset="0"/>
-              </a:rPr>
-              <a:t> </a:t>
-            </a:r>
-            <a:r>
-              <a:rPr lang="en-US" altLang="zh-CN" dirty="0">
-                <a:solidFill>
-                  <a:schemeClr val="tx1"/>
-                </a:solidFill>
-                <a:latin typeface="Arial" charset="0"/>
-              </a:rPr>
-              <a:t>= (float) 10.0</a:t>
-            </a:r>
-            <a:r>
-              <a:rPr lang="en-US" altLang="zh-CN" b="1" dirty="0">
-                <a:solidFill>
-                  <a:schemeClr val="tx1"/>
-                </a:solidFill>
-              </a:rPr>
-              <a:t>;</a:t>
-            </a:r>
-            <a:r>
-              <a:rPr lang="en-US" altLang="zh-CN" b="1" dirty="0">
-                <a:solidFill>
-                  <a:srgbClr val="00B050"/>
-                </a:solidFill>
-              </a:rPr>
-              <a:t> </a:t>
-            </a:r>
-            <a:r>
-              <a:rPr lang="en-US" altLang="zh-CN" b="1" dirty="0">
-                <a:solidFill>
-                  <a:srgbClr val="00B050"/>
-                </a:solidFill>
-              </a:rPr>
-              <a:t>//</a:t>
+              <a:t> //</a:t>
             </a:r>
             <a:r>
               <a:rPr lang="zh-CN" altLang="en-US" b="1" dirty="0">
@@ -35100,7 +35093,7 @@
           <a:graphicData uri="http://schemas.openxmlformats.org/presentationml/2006/ole">
             <mc:AlternateContent xmlns:mc="http://schemas.openxmlformats.org/markup-compatibility/2006">
               <mc:Choice xmlns:v="urn:schemas-microsoft-com:vml" Requires="v">
-                <p:oleObj spid="_x0000_s1189" r:id="rId3" imgW="3343742" imgH="1352381" progId="PBrush">
+                <p:oleObj spid="_x0000_s1193" r:id="rId3" imgW="3343742" imgH="1352381" progId="PBrush">
                   <p:embed/>
                 </p:oleObj>
               </mc:Choice>
@@ -38030,11 +38023,7 @@
             </a:r>
             <a:r>
               <a:rPr lang="zh-CN" altLang="en-US" dirty="0" smtClean="0"/>
-              <a:t>中</a:t>
-            </a:r>
-            <a:r>
-              <a:rPr lang="zh-CN" altLang="en-US" dirty="0" smtClean="0"/>
-              <a:t>的输入、输出也是通过流实现的，并且使用</a:t>
+              <a:t>中的输入、输出也是通过流实现的，并且使用</a:t>
             </a:r>
             <a:r>
               <a:rPr lang="en-US" altLang="zh-CN" dirty="0" err="1" smtClean="0"/>
@@ -41081,6 +41070,19 @@
               </a:rPr>
               <a:t> ) </a:t>
             </a:r>
+            <a:r>
+              <a:rPr lang="en-US" altLang="zh-CN" dirty="0">
+                <a:solidFill>
+                  <a:schemeClr val="tx1"/>
+                </a:solidFill>
+              </a:rPr>
+              <a:t>;</a:t>
+            </a:r>
+            <a:endParaRPr lang="en-US" altLang="zh-CN" dirty="0">
+              <a:solidFill>
+                <a:schemeClr val="tx1"/>
+              </a:solidFill>
+            </a:endParaRPr>
           </a:p>
           <a:p>
             <a:r>
@@ -41741,7 +41743,6 @@
               <a:rPr lang="zh-CN" altLang="en-US" dirty="0"/>
               <a:t>输入、输出</a:t>
             </a:r>
-            <a:endParaRPr lang="zh-CN" altLang="en-US" dirty="0"/>
           </a:p>
         </p:txBody>
       </p:sp>
@@ -42424,16 +42425,7 @@
                 </a:solidFill>
                 <a:latin typeface="Arial" charset="0"/>
               </a:rPr>
-              <a:t>public class Demo </a:t>
-            </a:r>
-            <a:r>
-              <a:rPr lang="en-US" altLang="zh-CN" sz="2800" dirty="0">
-                <a:solidFill>
-                  <a:schemeClr val="tx1"/>
-                </a:solidFill>
-                <a:latin typeface="Arial" charset="0"/>
-              </a:rPr>
-              <a:t>{</a:t>
+              <a:t>public class Demo {</a:t>
             </a:r>
             <a:endParaRPr lang="zh-CN" altLang="en-US" sz="2800" dirty="0">
               <a:solidFill>
@@ -42451,7 +42443,16 @@
                 </a:solidFill>
                 <a:latin typeface="Arial" charset="0"/>
               </a:rPr>
-              <a:t>    public </a:t>
+              <a:t>    public static void main(String[] </a:t>
+            </a:r>
+            <a:r>
+              <a:rPr lang="en-US" altLang="zh-CN" sz="2800" dirty="0" err="1">
+                <a:solidFill>
+                  <a:schemeClr val="tx1"/>
+                </a:solidFill>
+                <a:latin typeface="Arial" charset="0"/>
+              </a:rPr>
+              <a:t>args</a:t>
             </a:r>
             <a:r>
               <a:rPr lang="en-US" altLang="zh-CN" sz="2800" dirty="0">
@@ -42460,64 +42461,28 @@
                 </a:solidFill>
                 <a:latin typeface="Arial" charset="0"/>
               </a:rPr>
-              <a:t>static void main(String[] </a:t>
-            </a:r>
-            <a:r>
-              <a:rPr lang="en-US" altLang="zh-CN" sz="2800" dirty="0" err="1">
+              <a:t>) {</a:t>
+            </a:r>
+          </a:p>
+          <a:p>
+            <a:pPr marL="342900" indent="-342900" eaLnBrk="0" hangingPunct="0"/>
+            <a:r>
+              <a:rPr lang="en-US" altLang="zh-CN" sz="2800" dirty="0">
                 <a:solidFill>
                   <a:schemeClr val="tx1"/>
                 </a:solidFill>
                 <a:latin typeface="Arial" charset="0"/>
               </a:rPr>
-              <a:t>args</a:t>
+              <a:t>        </a:t>
             </a:r>
             <a:r>
               <a:rPr lang="en-US" altLang="zh-CN" sz="2800" dirty="0">
                 <a:solidFill>
-                  <a:schemeClr val="tx1"/>
-                </a:solidFill>
-                <a:latin typeface="Arial" charset="0"/>
-              </a:rPr>
-              <a:t>) {</a:t>
-            </a:r>
-          </a:p>
-          <a:p>
-            <a:pPr marL="342900" indent="-342900" eaLnBrk="0" hangingPunct="0"/>
-            <a:r>
-              <a:rPr lang="en-US" altLang="zh-CN" sz="2800" dirty="0">
-                <a:solidFill>
-                  <a:schemeClr val="tx1"/>
-                </a:solidFill>
-                <a:latin typeface="Arial" charset="0"/>
-              </a:rPr>
-              <a:t>        </a:t>
-            </a:r>
-            <a:r>
-              <a:rPr lang="en-US" altLang="zh-CN" sz="2800" dirty="0">
-                <a:solidFill>
                   <a:srgbClr val="FF0000"/>
                 </a:solidFill>
                 <a:latin typeface="Arial" charset="0"/>
               </a:rPr>
-              <a:t>Scanner </a:t>
-            </a:r>
-            <a:r>
-              <a:rPr lang="en-US" altLang="zh-CN" sz="2800" dirty="0">
-                <a:solidFill>
-                  <a:srgbClr val="FF0000"/>
-                </a:solidFill>
-                <a:latin typeface="Arial" charset="0"/>
-              </a:rPr>
-              <a:t>input = new Scanner(System.in</a:t>
-            </a:r>
-            <a:r>
-              <a:rPr lang="en-US" altLang="zh-CN" sz="2800" dirty="0">
-                <a:solidFill>
-                  <a:srgbClr val="FF0000"/>
-                </a:solidFill>
-                <a:latin typeface="Arial" charset="0"/>
-              </a:rPr>
-              <a:t>);</a:t>
+              <a:t>Scanner input = new Scanner(System.in);</a:t>
             </a:r>
             <a:endParaRPr lang="zh-CN" altLang="en-US" sz="2800" dirty="0">
               <a:solidFill>
@@ -42583,16 +42548,7 @@
                 </a:solidFill>
                 <a:latin typeface="Arial" charset="0"/>
               </a:rPr>
-              <a:t>        double </a:t>
-            </a:r>
-            <a:r>
-              <a:rPr lang="en-US" altLang="zh-CN" sz="2800" dirty="0">
-                <a:solidFill>
-                  <a:schemeClr val="tx1"/>
-                </a:solidFill>
-                <a:latin typeface="Arial" charset="0"/>
-              </a:rPr>
-              <a:t>radius = </a:t>
+              <a:t>        double radius = </a:t>
             </a:r>
             <a:r>
               <a:rPr lang="en-US" altLang="zh-CN" sz="2800" dirty="0" err="1">
@@ -42628,25 +42584,7 @@
                 </a:solidFill>
                 <a:latin typeface="Arial" charset="0"/>
               </a:rPr>
-              <a:t>        double </a:t>
-            </a:r>
-            <a:r>
-              <a:rPr lang="en-US" altLang="zh-CN" sz="2800" dirty="0">
-                <a:solidFill>
-                  <a:schemeClr val="tx1"/>
-                </a:solidFill>
-                <a:latin typeface="Arial" charset="0"/>
-              </a:rPr>
-              <a:t>area = radius * radius * 3.14</a:t>
-            </a:r>
-            <a:r>
-              <a:rPr lang="en-US" altLang="zh-CN" sz="2800" dirty="0">
-                <a:solidFill>
-                  <a:schemeClr val="tx1"/>
-                </a:solidFill>
-                <a:latin typeface="Arial" charset="0"/>
-              </a:rPr>
-              <a:t>;</a:t>
+              <a:t>        double area = radius * radius * 3.14;</a:t>
             </a:r>
             <a:endParaRPr lang="zh-CN" altLang="en-US" sz="2800" dirty="0">
               <a:solidFill>
@@ -42691,7 +42629,16 @@
                 </a:solidFill>
                 <a:latin typeface="Arial" charset="0"/>
               </a:rPr>
-              <a:t>圆</a:t>
+              <a:t>圆的面积为：</a:t>
+            </a:r>
+            <a:r>
+              <a:rPr lang="en-US" altLang="zh-CN" sz="2800" dirty="0">
+                <a:solidFill>
+                  <a:schemeClr val="tx1"/>
+                </a:solidFill>
+                <a:latin typeface="Arial" charset="0"/>
+              </a:rPr>
+              <a:t>"</a:t>
             </a:r>
             <a:r>
               <a:rPr lang="zh-CN" altLang="en-US" sz="2800" dirty="0">
@@ -42700,7 +42647,7 @@
                 </a:solidFill>
                 <a:latin typeface="Arial" charset="0"/>
               </a:rPr>
-              <a:t>的面积为：</a:t>
+              <a:t> </a:t>
             </a:r>
             <a:r>
               <a:rPr lang="en-US" altLang="zh-CN" sz="2800" dirty="0">
@@ -42709,44 +42656,20 @@
                 </a:solidFill>
                 <a:latin typeface="Arial" charset="0"/>
               </a:rPr>
-              <a:t>"</a:t>
-            </a:r>
-            <a:r>
-              <a:rPr lang="zh-CN" altLang="en-US" sz="2800" dirty="0">
+              <a:t>+ area);</a:t>
+            </a:r>
+          </a:p>
+          <a:p>
+            <a:pPr marL="342900" indent="-342900" eaLnBrk="0" hangingPunct="0"/>
+            <a:r>
+              <a:rPr lang="en-US" altLang="zh-CN" sz="2800" dirty="0">
                 <a:solidFill>
                   <a:schemeClr val="tx1"/>
                 </a:solidFill>
                 <a:latin typeface="Arial" charset="0"/>
               </a:rPr>
-              <a:t> </a:t>
-            </a:r>
-            <a:r>
-              <a:rPr lang="en-US" altLang="zh-CN" sz="2800" dirty="0">
-                <a:solidFill>
-                  <a:schemeClr val="tx1"/>
-                </a:solidFill>
-                <a:latin typeface="Arial" charset="0"/>
-              </a:rPr>
-              <a:t>+ area);</a:t>
-            </a:r>
-          </a:p>
-          <a:p>
-            <a:pPr marL="342900" indent="-342900" eaLnBrk="0" hangingPunct="0"/>
-            <a:r>
-              <a:rPr lang="en-US" altLang="zh-CN" sz="2800" dirty="0">
-                <a:solidFill>
-                  <a:schemeClr val="tx1"/>
-                </a:solidFill>
-                <a:latin typeface="Arial" charset="0"/>
-              </a:rPr>
               <a:t>    }</a:t>
             </a:r>
-            <a:endParaRPr lang="en-US" altLang="zh-CN" sz="2800" dirty="0">
-              <a:solidFill>
-                <a:schemeClr val="tx1"/>
-              </a:solidFill>
-              <a:latin typeface="Arial" charset="0"/>
-            </a:endParaRPr>
           </a:p>
           <a:p>
             <a:pPr marL="342900" indent="-342900" eaLnBrk="0" hangingPunct="0"/>
